--- a/docs/Figures_on_RL.pptx
+++ b/docs/Figures_on_RL.pptx
@@ -5478,6 +5478,126 @@
           </a:p>
         </p:txBody>
       </p:sp>
+      <p:cxnSp>
+        <p:nvCxnSpPr>
+          <p:cNvPr id="49" name="Straight Arrow Connector 48">
+            <a:extLst>
+              <a:ext uri="{FF2B5EF4-FFF2-40B4-BE49-F238E27FC236}">
+                <a16:creationId xmlns:a16="http://schemas.microsoft.com/office/drawing/2014/main" id="{62EC2BA6-AD14-DB97-3422-ECB9EA4D308B}"/>
+              </a:ext>
+            </a:extLst>
+          </p:cNvPr>
+          <p:cNvCxnSpPr>
+            <a:cxnSpLocks/>
+            <a:stCxn id="5" idx="3"/>
+          </p:cNvCxnSpPr>
+          <p:nvPr/>
+        </p:nvCxnSpPr>
+        <p:spPr>
+          <a:xfrm>
+            <a:off x="4622416" y="3360217"/>
+            <a:ext cx="701211" cy="0"/>
+          </a:xfrm>
+          <a:prstGeom prst="straightConnector1">
+            <a:avLst/>
+          </a:prstGeom>
+          <a:ln>
+            <a:tailEnd type="triangle"/>
+          </a:ln>
+        </p:spPr>
+        <p:style>
+          <a:lnRef idx="2">
+            <a:schemeClr val="accent1"/>
+          </a:lnRef>
+          <a:fillRef idx="0">
+            <a:schemeClr val="accent1"/>
+          </a:fillRef>
+          <a:effectRef idx="1">
+            <a:schemeClr val="accent1"/>
+          </a:effectRef>
+          <a:fontRef idx="minor">
+            <a:schemeClr val="tx1"/>
+          </a:fontRef>
+        </p:style>
+      </p:cxnSp>
+      <p:cxnSp>
+        <p:nvCxnSpPr>
+          <p:cNvPr id="52" name="Straight Arrow Connector 51">
+            <a:extLst>
+              <a:ext uri="{FF2B5EF4-FFF2-40B4-BE49-F238E27FC236}">
+                <a16:creationId xmlns:a16="http://schemas.microsoft.com/office/drawing/2014/main" id="{EA4BA5A1-AC65-FCC4-0646-462A22719475}"/>
+              </a:ext>
+            </a:extLst>
+          </p:cNvPr>
+          <p:cNvCxnSpPr/>
+          <p:nvPr/>
+        </p:nvCxnSpPr>
+        <p:spPr>
+          <a:xfrm>
+            <a:off x="5716542" y="3400573"/>
+            <a:ext cx="1081615" cy="0"/>
+          </a:xfrm>
+          <a:prstGeom prst="straightConnector1">
+            <a:avLst/>
+          </a:prstGeom>
+          <a:ln>
+            <a:tailEnd type="triangle"/>
+          </a:ln>
+        </p:spPr>
+        <p:style>
+          <a:lnRef idx="2">
+            <a:schemeClr val="accent1"/>
+          </a:lnRef>
+          <a:fillRef idx="0">
+            <a:schemeClr val="accent1"/>
+          </a:fillRef>
+          <a:effectRef idx="1">
+            <a:schemeClr val="accent1"/>
+          </a:effectRef>
+          <a:fontRef idx="minor">
+            <a:schemeClr val="tx1"/>
+          </a:fontRef>
+        </p:style>
+      </p:cxnSp>
+      <p:cxnSp>
+        <p:nvCxnSpPr>
+          <p:cNvPr id="54" name="Straight Arrow Connector 53">
+            <a:extLst>
+              <a:ext uri="{FF2B5EF4-FFF2-40B4-BE49-F238E27FC236}">
+                <a16:creationId xmlns:a16="http://schemas.microsoft.com/office/drawing/2014/main" id="{1DA1FA99-2DE3-F4A5-0AD7-99B8F784BE80}"/>
+              </a:ext>
+            </a:extLst>
+          </p:cNvPr>
+          <p:cNvCxnSpPr/>
+          <p:nvPr/>
+        </p:nvCxnSpPr>
+        <p:spPr>
+          <a:xfrm>
+            <a:off x="8195465" y="3409464"/>
+            <a:ext cx="323306" cy="0"/>
+          </a:xfrm>
+          <a:prstGeom prst="straightConnector1">
+            <a:avLst/>
+          </a:prstGeom>
+          <a:ln>
+            <a:tailEnd type="triangle"/>
+          </a:ln>
+        </p:spPr>
+        <p:style>
+          <a:lnRef idx="2">
+            <a:schemeClr val="accent1"/>
+          </a:lnRef>
+          <a:fillRef idx="0">
+            <a:schemeClr val="accent1"/>
+          </a:fillRef>
+          <a:effectRef idx="1">
+            <a:schemeClr val="accent1"/>
+          </a:effectRef>
+          <a:fontRef idx="minor">
+            <a:schemeClr val="tx1"/>
+          </a:fontRef>
+        </p:style>
+      </p:cxnSp>
     </p:spTree>
     <p:extLst>
       <p:ext uri="{BB962C8B-B14F-4D97-AF65-F5344CB8AC3E}">
